--- a/2_PHASE3_Requirements/docs/2.2 Requirements management in MATLAB_EN.pptx
+++ b/2_PHASE3_Requirements/docs/2.2 Requirements management in MATLAB_EN.pptx
@@ -319,7 +319,7 @@
           <a:p>
             <a:fld id="{DE2F9ED7-D9DF-9B4A-A1AC-9FBF0C9B1C8E}" type="datetime1">
               <a:rPr lang="es-ES" smtClean="0"/>
-              <a:t>14/09/2023</a:t>
+              <a:t>29/02/2024</a:t>
             </a:fld>
             <a:endParaRPr lang="en-US"/>
           </a:p>
@@ -489,7 +489,7 @@
           <a:p>
             <a:fld id="{FEDC53B6-CB23-B545-A702-0812837A95EA}" type="datetime1">
               <a:rPr lang="es-ES" smtClean="0"/>
-              <a:t>14/09/2023</a:t>
+              <a:t>29/02/2024</a:t>
             </a:fld>
             <a:endParaRPr lang="en-US"/>
           </a:p>
@@ -12782,6 +12782,52 @@
               <a:t>Another requirement</a:t>
             </a:r>
             <a:endParaRPr lang="es-ES" dirty="0"/>
+          </a:p>
+        </p:txBody>
+      </p:sp>
+      <p:sp>
+        <p:nvSpPr>
+          <p:cNvPr id="14" name="CuadroTexto 13">
+            <a:extLst>
+              <a:ext uri="{FF2B5EF4-FFF2-40B4-BE49-F238E27FC236}">
+                <a16:creationId xmlns:a16="http://schemas.microsoft.com/office/drawing/2014/main" id="{17BF7E03-8209-6C96-71ED-F9BB54374EC9}"/>
+              </a:ext>
+            </a:extLst>
+          </p:cNvPr>
+          <p:cNvSpPr txBox="1"/>
+          <p:nvPr/>
+        </p:nvSpPr>
+        <p:spPr>
+          <a:xfrm>
+            <a:off x="4853579" y="3486863"/>
+            <a:ext cx="4572000" cy="369332"/>
+          </a:xfrm>
+          <a:prstGeom prst="rect">
+            <a:avLst/>
+          </a:prstGeom>
+          <a:noFill/>
+        </p:spPr>
+        <p:txBody>
+          <a:bodyPr wrap="square">
+            <a:spAutoFit/>
+          </a:bodyPr>
+          <a:lstStyle/>
+          <a:p>
+            <a:r>
+              <a:rPr lang="en-GB" dirty="0">
+                <a:latin typeface="Arial Nova Light" panose="020B0304020202020204" pitchFamily="34" charset="0"/>
+              </a:rPr>
+              <a:t>\documents\</a:t>
+            </a:r>
+            <a:r>
+              <a:rPr lang="en-GB" dirty="0" err="1">
+                <a:latin typeface="Arial Nova Light" panose="020B0304020202020204" pitchFamily="34" charset="0"/>
+              </a:rPr>
+              <a:t>crs_req_func_spec.slreqx</a:t>
+            </a:r>
+            <a:endParaRPr lang="en-GB" dirty="0">
+              <a:latin typeface="Arial Nova Light" panose="020B0304020202020204" pitchFamily="34" charset="0"/>
+            </a:endParaRPr>
           </a:p>
         </p:txBody>
       </p:sp>
@@ -19155,6 +19201,55 @@
           </a:prstGeom>
         </p:spPr>
       </p:pic>
+      <p:sp>
+        <p:nvSpPr>
+          <p:cNvPr id="7" name="CuadroTexto 6">
+            <a:extLst>
+              <a:ext uri="{FF2B5EF4-FFF2-40B4-BE49-F238E27FC236}">
+                <a16:creationId xmlns:a16="http://schemas.microsoft.com/office/drawing/2014/main" id="{294B7454-1370-9D93-29D9-9849589F80C7}"/>
+              </a:ext>
+            </a:extLst>
+          </p:cNvPr>
+          <p:cNvSpPr txBox="1"/>
+          <p:nvPr/>
+        </p:nvSpPr>
+        <p:spPr>
+          <a:xfrm>
+            <a:off x="1479196" y="4417454"/>
+            <a:ext cx="4572000" cy="338554"/>
+          </a:xfrm>
+          <a:prstGeom prst="rect">
+            <a:avLst/>
+          </a:prstGeom>
+          <a:noFill/>
+        </p:spPr>
+        <p:txBody>
+          <a:bodyPr wrap="square">
+            <a:spAutoFit/>
+          </a:bodyPr>
+          <a:lstStyle/>
+          <a:p>
+            <a:r>
+              <a:rPr lang="en-GB" sz="1600" dirty="0">
+                <a:latin typeface="Arial Nova Light" panose="020B0304020202020204" pitchFamily="34" charset="0"/>
+                <a:cs typeface="Arial" panose="020B0604020202020204" pitchFamily="34" charset="0"/>
+              </a:rPr>
+              <a:t>\models\</a:t>
+            </a:r>
+            <a:r>
+              <a:rPr lang="en-GB" sz="1600" dirty="0" err="1">
+                <a:latin typeface="Arial Nova Light" panose="020B0304020202020204" pitchFamily="34" charset="0"/>
+                <a:cs typeface="Arial" panose="020B0604020202020204" pitchFamily="34" charset="0"/>
+              </a:rPr>
+              <a:t>crs_controller.slx</a:t>
+            </a:r>
+            <a:endParaRPr lang="en-GB" sz="1600" dirty="0">
+              <a:latin typeface="Arial Nova Light" panose="020B0304020202020204" pitchFamily="34" charset="0"/>
+              <a:cs typeface="Arial" panose="020B0604020202020204" pitchFamily="34" charset="0"/>
+            </a:endParaRPr>
+          </a:p>
+        </p:txBody>
+      </p:sp>
     </p:spTree>
     <p:extLst>
       <p:ext uri="{BB962C8B-B14F-4D97-AF65-F5344CB8AC3E}">
@@ -20763,6 +20858,52 @@
           </a:p>
         </p:txBody>
       </p:sp>
+      <p:sp>
+        <p:nvSpPr>
+          <p:cNvPr id="7" name="CuadroTexto 6">
+            <a:extLst>
+              <a:ext uri="{FF2B5EF4-FFF2-40B4-BE49-F238E27FC236}">
+                <a16:creationId xmlns:a16="http://schemas.microsoft.com/office/drawing/2014/main" id="{D231CC2F-7B8E-1FC4-D6E0-17E519072DEE}"/>
+              </a:ext>
+            </a:extLst>
+          </p:cNvPr>
+          <p:cNvSpPr txBox="1"/>
+          <p:nvPr/>
+        </p:nvSpPr>
+        <p:spPr>
+          <a:xfrm>
+            <a:off x="4254378" y="3383123"/>
+            <a:ext cx="4572000" cy="369332"/>
+          </a:xfrm>
+          <a:prstGeom prst="rect">
+            <a:avLst/>
+          </a:prstGeom>
+          <a:noFill/>
+        </p:spPr>
+        <p:txBody>
+          <a:bodyPr wrap="square">
+            <a:spAutoFit/>
+          </a:bodyPr>
+          <a:lstStyle/>
+          <a:p>
+            <a:r>
+              <a:rPr lang="en-GB" dirty="0">
+                <a:latin typeface="Arial Nova Light" panose="020B0304020202020204" pitchFamily="34" charset="0"/>
+              </a:rPr>
+              <a:t>\Tests\</a:t>
+            </a:r>
+            <a:r>
+              <a:rPr lang="en-GB" dirty="0" err="1">
+                <a:latin typeface="Arial Nova Light" panose="020B0304020202020204" pitchFamily="34" charset="0"/>
+              </a:rPr>
+              <a:t>DriverSwRequest_Tests.mldatx</a:t>
+            </a:r>
+            <a:endParaRPr lang="en-GB" dirty="0">
+              <a:latin typeface="Arial Nova Light" panose="020B0304020202020204" pitchFamily="34" charset="0"/>
+            </a:endParaRPr>
+          </a:p>
+        </p:txBody>
+      </p:sp>
     </p:spTree>
     <p:extLst>
       <p:ext uri="{BB962C8B-B14F-4D97-AF65-F5344CB8AC3E}">
@@ -21509,10 +21650,10 @@
       </p:pic>
       <p:pic>
         <p:nvPicPr>
-          <p:cNvPr id="9" name="Imagen 8">
-            <a:extLst>
-              <a:ext uri="{FF2B5EF4-FFF2-40B4-BE49-F238E27FC236}">
-                <a16:creationId xmlns:a16="http://schemas.microsoft.com/office/drawing/2014/main" id="{FCFFEB51-5EC2-4BC9-96CC-7A898774D90E}"/>
+          <p:cNvPr id="6" name="Imagen 5">
+            <a:extLst>
+              <a:ext uri="{FF2B5EF4-FFF2-40B4-BE49-F238E27FC236}">
+                <a16:creationId xmlns:a16="http://schemas.microsoft.com/office/drawing/2014/main" id="{2035E9AF-C336-58C0-441B-93FBC0620535}"/>
               </a:ext>
             </a:extLst>
           </p:cNvPr>
@@ -21521,16 +21662,15 @@
           </p:cNvPicPr>
           <p:nvPr/>
         </p:nvPicPr>
-        <p:blipFill>
+        <p:blipFill rotWithShape="1">
           <a:blip r:embed="rId3"/>
-          <a:stretch>
-            <a:fillRect/>
-          </a:stretch>
+          <a:srcRect r="34754"/>
+          <a:stretch/>
         </p:blipFill>
         <p:spPr>
           <a:xfrm>
-            <a:off x="6338489" y="1452013"/>
-            <a:ext cx="2543175" cy="4933950"/>
+            <a:off x="6653214" y="1689483"/>
+            <a:ext cx="2361916" cy="4696480"/>
           </a:xfrm>
           <a:prstGeom prst="rect">
             <a:avLst/>
@@ -21553,8 +21693,8 @@
         </p:nvCxnSpPr>
         <p:spPr>
           <a:xfrm flipH="1">
-            <a:off x="1990725" y="2266491"/>
-            <a:ext cx="4662489" cy="1781634"/>
+            <a:off x="1990725" y="2376664"/>
+            <a:ext cx="4833816" cy="1671461"/>
           </a:xfrm>
           <a:prstGeom prst="straightConnector1">
             <a:avLst/>
@@ -21594,8 +21734,8 @@
         </p:nvCxnSpPr>
         <p:spPr>
           <a:xfrm flipH="1">
-            <a:off x="2805513" y="3019613"/>
-            <a:ext cx="3738162" cy="1580331"/>
+            <a:off x="2805513" y="3419540"/>
+            <a:ext cx="4019028" cy="1180404"/>
           </a:xfrm>
           <a:prstGeom prst="straightConnector1">
             <a:avLst/>
@@ -21634,9 +21774,9 @@
           <p:nvPr/>
         </p:nvCxnSpPr>
         <p:spPr>
-          <a:xfrm flipH="1">
-            <a:off x="5067300" y="3918988"/>
-            <a:ext cx="1528740" cy="634850"/>
+          <a:xfrm flipH="1" flipV="1">
+            <a:off x="5067300" y="4553838"/>
+            <a:ext cx="1757241" cy="92953"/>
           </a:xfrm>
           <a:prstGeom prst="straightConnector1">
             <a:avLst/>
@@ -21677,48 +21817,7 @@
         <p:spPr>
           <a:xfrm flipH="1" flipV="1">
             <a:off x="2876550" y="4670640"/>
-            <a:ext cx="3666911" cy="291043"/>
-          </a:xfrm>
-          <a:prstGeom prst="straightConnector1">
-            <a:avLst/>
-          </a:prstGeom>
-          <a:ln>
-            <a:tailEnd type="triangle"/>
-          </a:ln>
-        </p:spPr>
-        <p:style>
-          <a:lnRef idx="2">
-            <a:schemeClr val="accent5"/>
-          </a:lnRef>
-          <a:fillRef idx="0">
-            <a:schemeClr val="accent5"/>
-          </a:fillRef>
-          <a:effectRef idx="1">
-            <a:schemeClr val="accent5"/>
-          </a:effectRef>
-          <a:fontRef idx="minor">
-            <a:schemeClr val="tx1"/>
-          </a:fontRef>
-        </p:style>
-      </p:cxnSp>
-      <p:cxnSp>
-        <p:nvCxnSpPr>
-          <p:cNvPr id="21" name="Conector recto de flecha 20">
-            <a:extLst>
-              <a:ext uri="{FF2B5EF4-FFF2-40B4-BE49-F238E27FC236}">
-                <a16:creationId xmlns:a16="http://schemas.microsoft.com/office/drawing/2014/main" id="{05442A7C-9961-4CC4-B69B-CFEA46EC3EBE}"/>
-              </a:ext>
-            </a:extLst>
-          </p:cNvPr>
-          <p:cNvCxnSpPr>
-            <a:cxnSpLocks/>
-          </p:cNvCxnSpPr>
-          <p:nvPr/>
-        </p:nvCxnSpPr>
-        <p:spPr>
-          <a:xfrm flipH="1" flipV="1">
-            <a:off x="3876675" y="5465801"/>
-            <a:ext cx="2571750" cy="351716"/>
+            <a:ext cx="3947991" cy="1097854"/>
           </a:xfrm>
           <a:prstGeom prst="straightConnector1">
             <a:avLst/>
@@ -21926,7 +22025,7 @@
           <a:lstStyle/>
           <a:p>
             <a:r>
-              <a:rPr lang="en-US" dirty="0">
+              <a:rPr lang="en-US">
                 <a:solidFill>
                   <a:schemeClr val="tx1"/>
                 </a:solidFill>
@@ -21938,7 +22037,7 @@
           <a:p>
             <a:pPr lvl="1"/>
             <a:r>
-              <a:rPr lang="en-US" dirty="0">
+              <a:rPr lang="en-US">
                 <a:solidFill>
                   <a:schemeClr val="tx1"/>
                 </a:solidFill>
@@ -21949,7 +22048,7 @@
           </a:p>
           <a:p>
             <a:pPr lvl="1"/>
-            <a:endParaRPr lang="en-US" dirty="0">
+            <a:endParaRPr lang="en-US">
               <a:solidFill>
                 <a:schemeClr val="tx1"/>
               </a:solidFill>
@@ -21960,7 +22059,7 @@
             <a:pPr marL="457188" lvl="1" indent="0">
               <a:buNone/>
             </a:pPr>
-            <a:endParaRPr lang="en-US" dirty="0">
+            <a:endParaRPr lang="en-US">
               <a:solidFill>
                 <a:schemeClr val="tx1"/>
               </a:solidFill>
@@ -21969,119 +22068,119 @@
           </a:p>
           <a:p>
             <a:pPr lvl="1"/>
-            <a:endParaRPr lang="en-US" dirty="0">
-              <a:solidFill>
-                <a:schemeClr val="tx1"/>
-              </a:solidFill>
-              <a:latin typeface="Arial Nova Light" panose="020B0304020202020204" pitchFamily="34" charset="0"/>
-            </a:endParaRPr>
-          </a:p>
-          <a:p>
-            <a:endParaRPr lang="en-US" dirty="0">
-              <a:solidFill>
-                <a:schemeClr val="tx1"/>
-              </a:solidFill>
-              <a:latin typeface="Arial Nova Light" panose="020B0304020202020204" pitchFamily="34" charset="0"/>
-            </a:endParaRPr>
-          </a:p>
-          <a:p>
-            <a:endParaRPr lang="en-US" dirty="0">
-              <a:solidFill>
-                <a:schemeClr val="tx1"/>
-              </a:solidFill>
-              <a:latin typeface="Arial Nova Light" panose="020B0304020202020204" pitchFamily="34" charset="0"/>
-            </a:endParaRPr>
-          </a:p>
-          <a:p>
-            <a:endParaRPr lang="en-US" dirty="0">
-              <a:solidFill>
-                <a:schemeClr val="tx1"/>
-              </a:solidFill>
-              <a:latin typeface="Arial Nova Light" panose="020B0304020202020204" pitchFamily="34" charset="0"/>
-            </a:endParaRPr>
-          </a:p>
-          <a:p>
-            <a:endParaRPr lang="en-US" dirty="0">
-              <a:solidFill>
-                <a:schemeClr val="tx1"/>
-              </a:solidFill>
-              <a:latin typeface="Arial Nova Light" panose="020B0304020202020204" pitchFamily="34" charset="0"/>
-            </a:endParaRPr>
-          </a:p>
-          <a:p>
-            <a:endParaRPr lang="en-US" dirty="0">
-              <a:solidFill>
-                <a:schemeClr val="tx1"/>
-              </a:solidFill>
-              <a:latin typeface="Arial Nova Light" panose="020B0304020202020204" pitchFamily="34" charset="0"/>
-            </a:endParaRPr>
-          </a:p>
-          <a:p>
-            <a:endParaRPr lang="en-US" dirty="0">
-              <a:solidFill>
-                <a:schemeClr val="tx1"/>
-              </a:solidFill>
-              <a:latin typeface="Arial Nova Light" panose="020B0304020202020204" pitchFamily="34" charset="0"/>
-            </a:endParaRPr>
-          </a:p>
-          <a:p>
-            <a:endParaRPr lang="en-US" dirty="0">
-              <a:solidFill>
-                <a:schemeClr val="tx1"/>
-              </a:solidFill>
-              <a:latin typeface="Arial Nova Light" panose="020B0304020202020204" pitchFamily="34" charset="0"/>
-            </a:endParaRPr>
-          </a:p>
-          <a:p>
-            <a:endParaRPr lang="en-US" dirty="0">
-              <a:solidFill>
-                <a:schemeClr val="tx1"/>
-              </a:solidFill>
-              <a:latin typeface="Arial Nova Light" panose="020B0304020202020204" pitchFamily="34" charset="0"/>
-            </a:endParaRPr>
-          </a:p>
-          <a:p>
-            <a:endParaRPr lang="en-US" dirty="0">
-              <a:solidFill>
-                <a:schemeClr val="tx1"/>
-              </a:solidFill>
-              <a:latin typeface="Arial Nova Light" panose="020B0304020202020204" pitchFamily="34" charset="0"/>
-            </a:endParaRPr>
-          </a:p>
-          <a:p>
-            <a:endParaRPr lang="en-US" dirty="0">
-              <a:solidFill>
-                <a:schemeClr val="tx1"/>
-              </a:solidFill>
-              <a:latin typeface="Arial Nova Light" panose="020B0304020202020204" pitchFamily="34" charset="0"/>
-            </a:endParaRPr>
-          </a:p>
-          <a:p>
-            <a:endParaRPr lang="en-US" dirty="0">
-              <a:solidFill>
-                <a:schemeClr val="tx1"/>
-              </a:solidFill>
-              <a:latin typeface="Arial Nova Light" panose="020B0304020202020204" pitchFamily="34" charset="0"/>
-            </a:endParaRPr>
-          </a:p>
-          <a:p>
-            <a:endParaRPr lang="en-US" dirty="0">
-              <a:solidFill>
-                <a:schemeClr val="tx1"/>
-              </a:solidFill>
-              <a:latin typeface="Arial Nova Light" panose="020B0304020202020204" pitchFamily="34" charset="0"/>
-            </a:endParaRPr>
-          </a:p>
-          <a:p>
-            <a:endParaRPr lang="en-US" dirty="0">
-              <a:solidFill>
-                <a:schemeClr val="tx1"/>
-              </a:solidFill>
-              <a:latin typeface="Arial Nova Light" panose="020B0304020202020204" pitchFamily="34" charset="0"/>
-            </a:endParaRPr>
-          </a:p>
-          <a:p>
-            <a:endParaRPr lang="en-US" dirty="0">
+            <a:endParaRPr lang="en-US">
+              <a:solidFill>
+                <a:schemeClr val="tx1"/>
+              </a:solidFill>
+              <a:latin typeface="Arial Nova Light" panose="020B0304020202020204" pitchFamily="34" charset="0"/>
+            </a:endParaRPr>
+          </a:p>
+          <a:p>
+            <a:endParaRPr lang="en-US">
+              <a:solidFill>
+                <a:schemeClr val="tx1"/>
+              </a:solidFill>
+              <a:latin typeface="Arial Nova Light" panose="020B0304020202020204" pitchFamily="34" charset="0"/>
+            </a:endParaRPr>
+          </a:p>
+          <a:p>
+            <a:endParaRPr lang="en-US">
+              <a:solidFill>
+                <a:schemeClr val="tx1"/>
+              </a:solidFill>
+              <a:latin typeface="Arial Nova Light" panose="020B0304020202020204" pitchFamily="34" charset="0"/>
+            </a:endParaRPr>
+          </a:p>
+          <a:p>
+            <a:endParaRPr lang="en-US">
+              <a:solidFill>
+                <a:schemeClr val="tx1"/>
+              </a:solidFill>
+              <a:latin typeface="Arial Nova Light" panose="020B0304020202020204" pitchFamily="34" charset="0"/>
+            </a:endParaRPr>
+          </a:p>
+          <a:p>
+            <a:endParaRPr lang="en-US">
+              <a:solidFill>
+                <a:schemeClr val="tx1"/>
+              </a:solidFill>
+              <a:latin typeface="Arial Nova Light" panose="020B0304020202020204" pitchFamily="34" charset="0"/>
+            </a:endParaRPr>
+          </a:p>
+          <a:p>
+            <a:endParaRPr lang="en-US">
+              <a:solidFill>
+                <a:schemeClr val="tx1"/>
+              </a:solidFill>
+              <a:latin typeface="Arial Nova Light" panose="020B0304020202020204" pitchFamily="34" charset="0"/>
+            </a:endParaRPr>
+          </a:p>
+          <a:p>
+            <a:endParaRPr lang="en-US">
+              <a:solidFill>
+                <a:schemeClr val="tx1"/>
+              </a:solidFill>
+              <a:latin typeface="Arial Nova Light" panose="020B0304020202020204" pitchFamily="34" charset="0"/>
+            </a:endParaRPr>
+          </a:p>
+          <a:p>
+            <a:endParaRPr lang="en-US">
+              <a:solidFill>
+                <a:schemeClr val="tx1"/>
+              </a:solidFill>
+              <a:latin typeface="Arial Nova Light" panose="020B0304020202020204" pitchFamily="34" charset="0"/>
+            </a:endParaRPr>
+          </a:p>
+          <a:p>
+            <a:endParaRPr lang="en-US">
+              <a:solidFill>
+                <a:schemeClr val="tx1"/>
+              </a:solidFill>
+              <a:latin typeface="Arial Nova Light" panose="020B0304020202020204" pitchFamily="34" charset="0"/>
+            </a:endParaRPr>
+          </a:p>
+          <a:p>
+            <a:endParaRPr lang="en-US">
+              <a:solidFill>
+                <a:schemeClr val="tx1"/>
+              </a:solidFill>
+              <a:latin typeface="Arial Nova Light" panose="020B0304020202020204" pitchFamily="34" charset="0"/>
+            </a:endParaRPr>
+          </a:p>
+          <a:p>
+            <a:endParaRPr lang="en-US">
+              <a:solidFill>
+                <a:schemeClr val="tx1"/>
+              </a:solidFill>
+              <a:latin typeface="Arial Nova Light" panose="020B0304020202020204" pitchFamily="34" charset="0"/>
+            </a:endParaRPr>
+          </a:p>
+          <a:p>
+            <a:endParaRPr lang="en-US">
+              <a:solidFill>
+                <a:schemeClr val="tx1"/>
+              </a:solidFill>
+              <a:latin typeface="Arial Nova Light" panose="020B0304020202020204" pitchFamily="34" charset="0"/>
+            </a:endParaRPr>
+          </a:p>
+          <a:p>
+            <a:endParaRPr lang="en-US">
+              <a:solidFill>
+                <a:schemeClr val="tx1"/>
+              </a:solidFill>
+              <a:latin typeface="Arial Nova Light" panose="020B0304020202020204" pitchFamily="34" charset="0"/>
+            </a:endParaRPr>
+          </a:p>
+          <a:p>
+            <a:endParaRPr lang="en-US">
+              <a:solidFill>
+                <a:schemeClr val="tx1"/>
+              </a:solidFill>
+              <a:latin typeface="Arial Nova Light" panose="020B0304020202020204" pitchFamily="34" charset="0"/>
+            </a:endParaRPr>
+          </a:p>
+          <a:p>
+            <a:endParaRPr lang="en-US">
               <a:solidFill>
                 <a:schemeClr val="tx1"/>
               </a:solidFill>
@@ -22092,7 +22191,7 @@
             <a:pPr marL="0" indent="0">
               <a:buNone/>
             </a:pPr>
-            <a:endParaRPr lang="en-US" i="0" dirty="0">
+            <a:endParaRPr lang="en-US" i="0">
               <a:solidFill>
                 <a:schemeClr val="tx1"/>
               </a:solidFill>
@@ -22104,7 +22203,7 @@
             <a:pPr marL="0" indent="0">
               <a:buNone/>
             </a:pPr>
-            <a:endParaRPr lang="en-US" dirty="0">
+            <a:endParaRPr lang="en-US">
               <a:solidFill>
                 <a:schemeClr val="tx1"/>
               </a:solidFill>
@@ -22115,7 +22214,7 @@
             <a:pPr marL="0" indent="0">
               <a:buNone/>
             </a:pPr>
-            <a:endParaRPr lang="en-US" i="0" dirty="0">
+            <a:endParaRPr lang="en-US" i="0">
               <a:solidFill>
                 <a:schemeClr val="tx1"/>
               </a:solidFill>
@@ -22127,7 +22226,7 @@
             <a:pPr marL="0" indent="0">
               <a:buNone/>
             </a:pPr>
-            <a:endParaRPr lang="en-US" dirty="0">
+            <a:endParaRPr lang="en-US">
               <a:solidFill>
                 <a:schemeClr val="tx1"/>
               </a:solidFill>
@@ -22138,7 +22237,7 @@
             <a:pPr marL="0" indent="0">
               <a:buNone/>
             </a:pPr>
-            <a:endParaRPr lang="en-US" i="0" dirty="0">
+            <a:endParaRPr lang="en-US" i="0">
               <a:solidFill>
                 <a:schemeClr val="tx1"/>
               </a:solidFill>
@@ -22150,7 +22249,7 @@
             <a:pPr marL="0" indent="0">
               <a:buNone/>
             </a:pPr>
-            <a:endParaRPr lang="en-US" dirty="0">
+            <a:endParaRPr lang="en-US">
               <a:solidFill>
                 <a:schemeClr val="tx1"/>
               </a:solidFill>
@@ -22161,7 +22260,7 @@
             <a:pPr marL="0" indent="0">
               <a:buNone/>
             </a:pPr>
-            <a:endParaRPr lang="en-US" i="0" dirty="0">
+            <a:endParaRPr lang="en-US" i="0">
               <a:solidFill>
                 <a:schemeClr val="tx1"/>
               </a:solidFill>
@@ -22279,7 +22378,7 @@
         </p:blipFill>
         <p:spPr>
           <a:xfrm>
-            <a:off x="5019675" y="312826"/>
+            <a:off x="4784285" y="335565"/>
             <a:ext cx="704850" cy="828675"/>
           </a:xfrm>
           <a:prstGeom prst="rect">
@@ -22328,6 +22427,58 @@
               <a:solidFill>
                 <a:srgbClr val="C90026"/>
               </a:solidFill>
+            </a:endParaRPr>
+          </a:p>
+        </p:txBody>
+      </p:sp>
+      <p:sp>
+        <p:nvSpPr>
+          <p:cNvPr id="7" name="CuadroTexto 6">
+            <a:extLst>
+              <a:ext uri="{FF2B5EF4-FFF2-40B4-BE49-F238E27FC236}">
+                <a16:creationId xmlns:a16="http://schemas.microsoft.com/office/drawing/2014/main" id="{69481AAC-BD66-AEF5-1144-6F42DCC04156}"/>
+              </a:ext>
+            </a:extLst>
+          </p:cNvPr>
+          <p:cNvSpPr txBox="1"/>
+          <p:nvPr/>
+        </p:nvSpPr>
+        <p:spPr>
+          <a:xfrm>
+            <a:off x="5421093" y="372805"/>
+            <a:ext cx="2733675" cy="738664"/>
+          </a:xfrm>
+          <a:prstGeom prst="rect">
+            <a:avLst/>
+          </a:prstGeom>
+          <a:noFill/>
+        </p:spPr>
+        <p:txBody>
+          <a:bodyPr wrap="square">
+            <a:spAutoFit/>
+          </a:bodyPr>
+          <a:lstStyle/>
+          <a:p>
+            <a:r>
+              <a:rPr lang="en-US" sz="1400" dirty="0">
+                <a:solidFill>
+                  <a:schemeClr val="tx1"/>
+                </a:solidFill>
+                <a:latin typeface="Arial Nova Light" panose="020B0304020202020204" pitchFamily="34" charset="0"/>
+              </a:rPr>
+              <a:t>Configure a traceability </a:t>
+            </a:r>
+            <a:r>
+              <a:rPr lang="en-GB" sz="1400" dirty="0">
+                <a:latin typeface="Arial Nova Light" panose="020B0304020202020204" pitchFamily="34" charset="0"/>
+              </a:rPr>
+              <a:t>matrix in Requirements Editor with the two sets available in the example</a:t>
+            </a:r>
+            <a:endParaRPr lang="en-US" sz="1400" dirty="0">
+              <a:solidFill>
+                <a:schemeClr val="tx1"/>
+              </a:solidFill>
+              <a:latin typeface="Arial Nova Light" panose="020B0304020202020204" pitchFamily="34" charset="0"/>
             </a:endParaRPr>
           </a:p>
         </p:txBody>
@@ -22849,7 +23000,7 @@
         </p:blipFill>
         <p:spPr>
           <a:xfrm>
-            <a:off x="5019675" y="312826"/>
+            <a:off x="4833938" y="321479"/>
             <a:ext cx="704850" cy="828675"/>
           </a:xfrm>
           <a:prstGeom prst="rect">
@@ -22895,6 +23046,58 @@
               <a:t>Simulink models</a:t>
             </a:r>
             <a:endParaRPr lang="es-ES" dirty="0"/>
+          </a:p>
+        </p:txBody>
+      </p:sp>
+      <p:sp>
+        <p:nvSpPr>
+          <p:cNvPr id="6" name="CuadroTexto 5">
+            <a:extLst>
+              <a:ext uri="{FF2B5EF4-FFF2-40B4-BE49-F238E27FC236}">
+                <a16:creationId xmlns:a16="http://schemas.microsoft.com/office/drawing/2014/main" id="{C2DEE55C-70B6-AAA1-9E2A-91A0B3429969}"/>
+              </a:ext>
+            </a:extLst>
+          </p:cNvPr>
+          <p:cNvSpPr txBox="1"/>
+          <p:nvPr/>
+        </p:nvSpPr>
+        <p:spPr>
+          <a:xfrm>
+            <a:off x="5538788" y="372805"/>
+            <a:ext cx="2733675" cy="738664"/>
+          </a:xfrm>
+          <a:prstGeom prst="rect">
+            <a:avLst/>
+          </a:prstGeom>
+          <a:noFill/>
+        </p:spPr>
+        <p:txBody>
+          <a:bodyPr wrap="square">
+            <a:spAutoFit/>
+          </a:bodyPr>
+          <a:lstStyle/>
+          <a:p>
+            <a:r>
+              <a:rPr lang="en-US" sz="1400" dirty="0">
+                <a:solidFill>
+                  <a:schemeClr val="tx1"/>
+                </a:solidFill>
+                <a:latin typeface="Arial Nova Light" panose="020B0304020202020204" pitchFamily="34" charset="0"/>
+              </a:rPr>
+              <a:t>Configure a traceability </a:t>
+            </a:r>
+            <a:r>
+              <a:rPr lang="en-GB" sz="1400" dirty="0">
+                <a:latin typeface="Arial Nova Light" panose="020B0304020202020204" pitchFamily="34" charset="0"/>
+              </a:rPr>
+              <a:t>matrix in Requirements Editor with the two sets available in the example</a:t>
+            </a:r>
+            <a:endParaRPr lang="en-US" sz="1400" dirty="0">
+              <a:solidFill>
+                <a:schemeClr val="tx1"/>
+              </a:solidFill>
+              <a:latin typeface="Arial Nova Light" panose="020B0304020202020204" pitchFamily="34" charset="0"/>
+            </a:endParaRPr>
           </a:p>
         </p:txBody>
       </p:sp>
@@ -23410,7 +23613,7 @@
         </p:blipFill>
         <p:spPr>
           <a:xfrm>
-            <a:off x="5019675" y="312826"/>
+            <a:off x="4716243" y="312826"/>
             <a:ext cx="704850" cy="828675"/>
           </a:xfrm>
           <a:prstGeom prst="rect">
@@ -23456,6 +23659,58 @@
               <a:t>Tests</a:t>
             </a:r>
             <a:endParaRPr lang="es-ES" dirty="0"/>
+          </a:p>
+        </p:txBody>
+      </p:sp>
+      <p:sp>
+        <p:nvSpPr>
+          <p:cNvPr id="6" name="CuadroTexto 5">
+            <a:extLst>
+              <a:ext uri="{FF2B5EF4-FFF2-40B4-BE49-F238E27FC236}">
+                <a16:creationId xmlns:a16="http://schemas.microsoft.com/office/drawing/2014/main" id="{96E23A55-B63A-E8C5-A370-150DBEBE5CB4}"/>
+              </a:ext>
+            </a:extLst>
+          </p:cNvPr>
+          <p:cNvSpPr txBox="1"/>
+          <p:nvPr/>
+        </p:nvSpPr>
+        <p:spPr>
+          <a:xfrm>
+            <a:off x="5421093" y="372805"/>
+            <a:ext cx="2733675" cy="738664"/>
+          </a:xfrm>
+          <a:prstGeom prst="rect">
+            <a:avLst/>
+          </a:prstGeom>
+          <a:noFill/>
+        </p:spPr>
+        <p:txBody>
+          <a:bodyPr wrap="square">
+            <a:spAutoFit/>
+          </a:bodyPr>
+          <a:lstStyle/>
+          <a:p>
+            <a:r>
+              <a:rPr lang="en-US" sz="1400" dirty="0">
+                <a:solidFill>
+                  <a:schemeClr val="tx1"/>
+                </a:solidFill>
+                <a:latin typeface="Arial Nova Light" panose="020B0304020202020204" pitchFamily="34" charset="0"/>
+              </a:rPr>
+              <a:t>Configure a traceability </a:t>
+            </a:r>
+            <a:r>
+              <a:rPr lang="en-GB" sz="1400" dirty="0">
+                <a:latin typeface="Arial Nova Light" panose="020B0304020202020204" pitchFamily="34" charset="0"/>
+              </a:rPr>
+              <a:t>matrix with on requirement set and test data</a:t>
+            </a:r>
+            <a:endParaRPr lang="en-US" sz="1400" dirty="0">
+              <a:solidFill>
+                <a:schemeClr val="tx1"/>
+              </a:solidFill>
+              <a:latin typeface="Arial Nova Light" panose="020B0304020202020204" pitchFamily="34" charset="0"/>
+            </a:endParaRPr>
           </a:p>
         </p:txBody>
       </p:sp>
@@ -25499,7 +25754,7 @@
                 </a:solidFill>
                 <a:latin typeface="Arial Nova Light" panose="020B0304020202020204" pitchFamily="34" charset="0"/>
               </a:rPr>
-              <a:t>Check:</a:t>
+              <a:t>Let’s check:</a:t>
             </a:r>
           </a:p>
           <a:p>
@@ -25510,7 +25765,7 @@
                 </a:solidFill>
                 <a:latin typeface="Arial Nova Light" panose="020B0304020202020204" pitchFamily="34" charset="0"/>
               </a:rPr>
-              <a:t>Requirements Editor.</a:t>
+              <a:t>The requirements Editor.</a:t>
             </a:r>
           </a:p>
           <a:p>
@@ -25554,8 +25809,8 @@
         </p:nvSpPr>
         <p:spPr bwMode="auto">
           <a:xfrm>
-            <a:off x="422030" y="3040787"/>
-            <a:ext cx="8299939" cy="1006660"/>
+            <a:off x="422030" y="2856122"/>
+            <a:ext cx="8299939" cy="1375991"/>
           </a:xfrm>
           <a:prstGeom prst="rect">
             <a:avLst/>
@@ -25720,7 +25975,7 @@
                 </a:solidFill>
                 <a:latin typeface="Roboto" panose="02000000000000000000" pitchFamily="2" charset="0"/>
               </a:rPr>
-              <a:t>slreqCCProjectStart</a:t>
+              <a:t>openProject</a:t>
             </a:r>
             <a:r>
               <a:rPr lang="es-ES" altLang="es-ES" sz="2400" dirty="0">
@@ -25729,7 +25984,88 @@
                 </a:solidFill>
                 <a:latin typeface="Roboto" panose="02000000000000000000" pitchFamily="2" charset="0"/>
               </a:rPr>
-              <a:t> in MATLAB)</a:t>
+              <a:t>("</a:t>
+            </a:r>
+            <a:r>
+              <a:rPr lang="es-ES" altLang="es-ES" sz="2400" dirty="0" err="1">
+                <a:solidFill>
+                  <a:srgbClr val="C05708"/>
+                </a:solidFill>
+                <a:latin typeface="Roboto" panose="02000000000000000000" pitchFamily="2" charset="0"/>
+              </a:rPr>
+              <a:t>CruiseRequirementsExample</a:t>
+            </a:r>
+            <a:r>
+              <a:rPr lang="es-ES" altLang="es-ES" sz="2400" dirty="0">
+                <a:solidFill>
+                  <a:srgbClr val="C05708"/>
+                </a:solidFill>
+                <a:latin typeface="Roboto" panose="02000000000000000000" pitchFamily="2" charset="0"/>
+              </a:rPr>
+              <a:t>") in</a:t>
+            </a:r>
+          </a:p>
+          <a:p>
+            <a:pPr marL="0" marR="0" lvl="0" indent="0" algn="ctr" defTabSz="914400" rtl="0" eaLnBrk="0" fontAlgn="base" latinLnBrk="0" hangingPunct="0">
+              <a:lnSpc>
+                <a:spcPct val="100000"/>
+              </a:lnSpc>
+              <a:spcBef>
+                <a:spcPct val="0"/>
+              </a:spcBef>
+              <a:spcAft>
+                <a:spcPct val="0"/>
+              </a:spcAft>
+              <a:buClrTx/>
+              <a:buSzTx/>
+              <a:buFontTx/>
+              <a:buNone/>
+              <a:tabLst/>
+            </a:pPr>
+            <a:r>
+              <a:rPr lang="es-ES" altLang="es-ES" sz="2400" dirty="0">
+                <a:solidFill>
+                  <a:srgbClr val="C05708"/>
+                </a:solidFill>
+                <a:latin typeface="Roboto" panose="02000000000000000000" pitchFamily="2" charset="0"/>
+              </a:rPr>
+              <a:t>MATLAB </a:t>
+            </a:r>
+            <a:r>
+              <a:rPr lang="es-ES" altLang="es-ES" sz="2400" dirty="0" err="1">
+                <a:solidFill>
+                  <a:srgbClr val="C05708"/>
+                </a:solidFill>
+                <a:latin typeface="Roboto" panose="02000000000000000000" pitchFamily="2" charset="0"/>
+              </a:rPr>
+              <a:t>command</a:t>
+            </a:r>
+            <a:r>
+              <a:rPr lang="es-ES" altLang="es-ES" sz="2400" dirty="0">
+                <a:solidFill>
+                  <a:srgbClr val="C05708"/>
+                </a:solidFill>
+                <a:latin typeface="Roboto" panose="02000000000000000000" pitchFamily="2" charset="0"/>
+              </a:rPr>
+              <a:t> </a:t>
+            </a:r>
+            <a:r>
+              <a:rPr lang="es-ES" altLang="es-ES" sz="2400" dirty="0" err="1">
+                <a:solidFill>
+                  <a:srgbClr val="C05708"/>
+                </a:solidFill>
+                <a:latin typeface="Roboto" panose="02000000000000000000" pitchFamily="2" charset="0"/>
+              </a:rPr>
+              <a:t>window</a:t>
+            </a:r>
+            <a:r>
+              <a:rPr lang="es-ES" altLang="es-ES" sz="2400" dirty="0">
+                <a:solidFill>
+                  <a:srgbClr val="C05708"/>
+                </a:solidFill>
+                <a:latin typeface="Roboto" panose="02000000000000000000" pitchFamily="2" charset="0"/>
+              </a:rPr>
+              <a:t>)</a:t>
             </a:r>
             <a:endParaRPr kumimoji="0" lang="es-ES" altLang="es-ES" sz="2400" b="0" i="0" u="none" strike="noStrike" cap="none" normalizeH="0" baseline="0" dirty="0">
               <a:ln>
@@ -26072,7 +26408,25 @@
                 </a:solidFill>
                 <a:latin typeface="Arial Nova Light" panose="020B0304020202020204" pitchFamily="34" charset="0"/>
               </a:rPr>
-              <a:t>Requirements Editor is the main tool to author, organize and edit requirements.</a:t>
+              <a:t>Requirements Editor is the main tool to author, organize and edit requirements (file \documents\</a:t>
+            </a:r>
+            <a:r>
+              <a:rPr lang="en-US" dirty="0" err="1">
+                <a:solidFill>
+                  <a:schemeClr val="tx1"/>
+                </a:solidFill>
+                <a:latin typeface="Arial Nova Light" panose="020B0304020202020204" pitchFamily="34" charset="0"/>
+              </a:rPr>
+              <a:t>crs_req.slreqx</a:t>
+            </a:r>
+            <a:r>
+              <a:rPr lang="en-US" dirty="0">
+                <a:solidFill>
+                  <a:schemeClr val="tx1"/>
+                </a:solidFill>
+                <a:latin typeface="Arial Nova Light" panose="020B0304020202020204" pitchFamily="34" charset="0"/>
+              </a:rPr>
+              <a:t>).</a:t>
             </a:r>
           </a:p>
           <a:p>

--- a/2_PHASE3_Requirements/docs/2.2 Requirements management in MATLAB_EN.pptx
+++ b/2_PHASE3_Requirements/docs/2.2 Requirements management in MATLAB_EN.pptx
@@ -319,7 +319,7 @@
           <a:p>
             <a:fld id="{DE2F9ED7-D9DF-9B4A-A1AC-9FBF0C9B1C8E}" type="datetime1">
               <a:rPr lang="es-ES" smtClean="0"/>
-              <a:t>29/02/2024</a:t>
+              <a:t>06/03/2024</a:t>
             </a:fld>
             <a:endParaRPr lang="en-US"/>
           </a:p>
@@ -489,7 +489,7 @@
           <a:p>
             <a:fld id="{FEDC53B6-CB23-B545-A702-0812837A95EA}" type="datetime1">
               <a:rPr lang="es-ES" smtClean="0"/>
-              <a:t>29/02/2024</a:t>
+              <a:t>06/03/2024</a:t>
             </a:fld>
             <a:endParaRPr lang="en-US"/>
           </a:p>
@@ -25809,8 +25809,8 @@
         </p:nvSpPr>
         <p:spPr bwMode="auto">
           <a:xfrm>
-            <a:off x="422030" y="2856122"/>
-            <a:ext cx="8299939" cy="1375991"/>
+            <a:off x="422030" y="2486790"/>
+            <a:ext cx="8299939" cy="2114655"/>
           </a:xfrm>
           <a:prstGeom prst="rect">
             <a:avLst/>
@@ -26065,7 +26065,7 @@
                 </a:solidFill>
                 <a:latin typeface="Roboto" panose="02000000000000000000" pitchFamily="2" charset="0"/>
               </a:rPr>
-              <a:t>)</a:t>
+              <a:t> OR Access https://es.mathworks.com/help/slrequirements/gs/link-blocks-and-requirements.html)</a:t>
             </a:r>
             <a:endParaRPr kumimoji="0" lang="es-ES" altLang="es-ES" sz="2400" b="0" i="0" u="none" strike="noStrike" cap="none" normalizeH="0" baseline="0" dirty="0">
               <a:ln>
